--- a/Dependency Injection with net Core.pptx
+++ b/Dependency Injection with net Core.pptx
@@ -13,10 +13,9 @@
     <p:sldId id="262" r:id="rId7"/>
     <p:sldId id="263" r:id="rId8"/>
     <p:sldId id="264" r:id="rId9"/>
-    <p:sldId id="265" r:id="rId10"/>
-    <p:sldId id="267" r:id="rId11"/>
+    <p:sldId id="267" r:id="rId10"/>
+    <p:sldId id="265" r:id="rId11"/>
     <p:sldId id="266" r:id="rId12"/>
-    <p:sldId id="260" r:id="rId13"/>
   </p:sldIdLst>
   <p:sldSz cx="12192000" cy="6858000"/>
   <p:notesSz cx="6858000" cy="9144000"/>
@@ -6002,12 +6001,20 @@
           <a:lstStyle/>
           <a:p>
             <a:r>
+              <a:rPr lang="tr-TR" dirty="0" err="1" smtClean="0"/>
+              <a:t>Asp.Net</a:t>
+            </a:r>
+            <a:r>
               <a:rPr lang="tr-TR" dirty="0" smtClean="0"/>
-              <a:t>Service </a:t>
+              <a:t> </a:t>
             </a:r>
             <a:r>
               <a:rPr lang="tr-TR" dirty="0" err="1" smtClean="0"/>
-              <a:t>LifeTime</a:t>
+              <a:t>Core</a:t>
+            </a:r>
+            <a:r>
+              <a:rPr lang="tr-TR" dirty="0" smtClean="0"/>
+              <a:t> ve DI </a:t>
             </a:r>
             <a:endParaRPr lang="en-US" dirty="0"/>
           </a:p>
@@ -6030,18 +6037,205 @@
           </a:bodyPr>
           <a:lstStyle/>
           <a:p>
-            <a:pPr fontAlgn="base"/>
-            <a:r>
-              <a:rPr lang="en-US" b="1" dirty="0"/>
-              <a:t>Singleton:</a:t>
-            </a:r>
-            <a:r>
-              <a:rPr lang="en-US" dirty="0"/>
-              <a:t>  </a:t>
-            </a:r>
-            <a:r>
-              <a:rPr lang="en-US" dirty="0" err="1"/>
-              <a:t>Tek</a:t>
+            <a:r>
+              <a:rPr lang="en-US" dirty="0"/>
+              <a:t>Asp.net Core </a:t>
+            </a:r>
+            <a:r>
+              <a:rPr lang="en-US" dirty="0" err="1"/>
+              <a:t>tasarlanırken</a:t>
+            </a:r>
+            <a:r>
+              <a:rPr lang="en-US" dirty="0"/>
+              <a:t>, </a:t>
+            </a:r>
+            <a:r>
+              <a:rPr lang="en-US" dirty="0" err="1"/>
+              <a:t>DI’ı</a:t>
+            </a:r>
+            <a:r>
+              <a:rPr lang="en-US" dirty="0"/>
+              <a:t> </a:t>
+            </a:r>
+            <a:r>
+              <a:rPr lang="en-US" dirty="0" err="1"/>
+              <a:t>maksimum</a:t>
+            </a:r>
+            <a:r>
+              <a:rPr lang="en-US" dirty="0"/>
+              <a:t> </a:t>
+            </a:r>
+            <a:r>
+              <a:rPr lang="en-US" dirty="0" err="1"/>
+              <a:t>düzeyde</a:t>
+            </a:r>
+            <a:r>
+              <a:rPr lang="en-US" dirty="0"/>
+              <a:t> </a:t>
+            </a:r>
+            <a:r>
+              <a:rPr lang="en-US" dirty="0" err="1"/>
+              <a:t>desteklemek</a:t>
+            </a:r>
+            <a:r>
+              <a:rPr lang="en-US" dirty="0"/>
+              <a:t> </a:t>
+            </a:r>
+            <a:r>
+              <a:rPr lang="en-US" dirty="0" err="1"/>
+              <a:t>ve</a:t>
+            </a:r>
+            <a:r>
+              <a:rPr lang="en-US" dirty="0"/>
+              <a:t> </a:t>
+            </a:r>
+            <a:r>
+              <a:rPr lang="en-US" dirty="0" err="1"/>
+              <a:t>DI’dan</a:t>
+            </a:r>
+            <a:r>
+              <a:rPr lang="en-US" dirty="0"/>
+              <a:t> </a:t>
+            </a:r>
+            <a:r>
+              <a:rPr lang="en-US" dirty="0" err="1"/>
+              <a:t>faydalanmak</a:t>
+            </a:r>
+            <a:r>
+              <a:rPr lang="en-US" dirty="0"/>
+              <a:t> </a:t>
+            </a:r>
+            <a:r>
+              <a:rPr lang="en-US" dirty="0" err="1"/>
+              <a:t>amaçlanmıştır</a:t>
+            </a:r>
+            <a:r>
+              <a:rPr lang="en-US" dirty="0"/>
+              <a:t>. </a:t>
+            </a:r>
+            <a:endParaRPr lang="tr-TR" dirty="0" smtClean="0"/>
+          </a:p>
+          <a:p>
+            <a:r>
+              <a:rPr lang="en-US" dirty="0"/>
+              <a:t>Asp.net Core </a:t>
+            </a:r>
+            <a:r>
+              <a:rPr lang="en-US" dirty="0" err="1"/>
+              <a:t>öncesinde</a:t>
+            </a:r>
+            <a:r>
+              <a:rPr lang="en-US" dirty="0"/>
+              <a:t>, her </a:t>
+            </a:r>
+            <a:r>
+              <a:rPr lang="en-US" dirty="0" err="1"/>
+              <a:t>uygulama</a:t>
+            </a:r>
+            <a:r>
+              <a:rPr lang="en-US" dirty="0"/>
+              <a:t> </a:t>
+            </a:r>
+            <a:r>
+              <a:rPr lang="en-US" dirty="0" err="1"/>
+              <a:t>türü</a:t>
+            </a:r>
+            <a:r>
+              <a:rPr lang="en-US" dirty="0"/>
+              <a:t>-(MVC, Web API vb.) </a:t>
+            </a:r>
+            <a:r>
+              <a:rPr lang="en-US" dirty="0" err="1"/>
+              <a:t>kendi</a:t>
+            </a:r>
+            <a:r>
+              <a:rPr lang="en-US" dirty="0"/>
+              <a:t> “dependency resolver” </a:t>
+            </a:r>
+            <a:r>
+              <a:rPr lang="en-US" dirty="0" err="1"/>
+              <a:t>mekanizmasına</a:t>
+            </a:r>
+            <a:r>
+              <a:rPr lang="en-US" dirty="0"/>
+              <a:t> </a:t>
+            </a:r>
+            <a:r>
+              <a:rPr lang="en-US" dirty="0" err="1"/>
+              <a:t>sahipti</a:t>
+            </a:r>
+            <a:r>
+              <a:rPr lang="en-US" dirty="0" smtClean="0"/>
+              <a:t>.</a:t>
+            </a:r>
+            <a:endParaRPr lang="tr-TR" dirty="0" smtClean="0"/>
+          </a:p>
+          <a:p>
+            <a:r>
+              <a:rPr lang="en-US" dirty="0"/>
+              <a:t> ASP.NET Core </a:t>
+            </a:r>
+            <a:r>
+              <a:rPr lang="en-US" dirty="0" err="1"/>
+              <a:t>ise</a:t>
+            </a:r>
+            <a:r>
+              <a:rPr lang="en-US" dirty="0"/>
+              <a:t> </a:t>
+            </a:r>
+            <a:r>
+              <a:rPr lang="en-US" dirty="0" err="1" smtClean="0">
+                <a:hlinkClick r:id="rId2"/>
+              </a:rPr>
+              <a:t>Microsoft.Extensions.DependencyInjection</a:t>
+            </a:r>
+            <a:r>
+              <a:rPr lang="tr-TR" dirty="0" smtClean="0"/>
+              <a:t> </a:t>
+            </a:r>
+            <a:r>
+              <a:rPr lang="en-US" dirty="0" smtClean="0"/>
+              <a:t> </a:t>
+            </a:r>
+            <a:r>
+              <a:rPr lang="en-US" dirty="0" err="1" smtClean="0"/>
+              <a:t>ile</a:t>
+            </a:r>
+            <a:r>
+              <a:rPr lang="tr-TR" dirty="0"/>
+              <a:t> </a:t>
+            </a:r>
+            <a:r>
+              <a:rPr lang="en-US" dirty="0" smtClean="0"/>
+              <a:t>IOC  </a:t>
+            </a:r>
+            <a:r>
+              <a:rPr lang="en-US" dirty="0" err="1"/>
+              <a:t>container’larının</a:t>
+            </a:r>
+            <a:r>
+              <a:rPr lang="en-US" dirty="0"/>
+              <a:t> </a:t>
+            </a:r>
+            <a:r>
+              <a:rPr lang="en-US" dirty="0" err="1"/>
+              <a:t>kullanması</a:t>
+            </a:r>
+            <a:r>
+              <a:rPr lang="en-US" dirty="0"/>
+              <a:t> </a:t>
+            </a:r>
+            <a:r>
+              <a:rPr lang="en-US" dirty="0" err="1"/>
+              <a:t>için</a:t>
+            </a:r>
+            <a:r>
+              <a:rPr lang="en-US" dirty="0"/>
+              <a:t> </a:t>
+            </a:r>
+            <a:r>
+              <a:rPr lang="en-US" dirty="0" err="1"/>
+              <a:t>ortak</a:t>
             </a:r>
             <a:r>
               <a:rPr lang="en-US" dirty="0"/>
@@ -6057,130 +6251,46 @@
             </a:r>
             <a:r>
               <a:rPr lang="en-US" dirty="0" err="1"/>
-              <a:t>instance’ın</a:t>
-            </a:r>
-            <a:r>
-              <a:rPr lang="en-US" dirty="0"/>
-              <a:t> </a:t>
-            </a:r>
-            <a:r>
-              <a:rPr lang="en-US" dirty="0" err="1"/>
-              <a:t>oluşturulacağı</a:t>
-            </a:r>
-            <a:r>
-              <a:rPr lang="en-US" dirty="0"/>
-              <a:t> </a:t>
-            </a:r>
-            <a:r>
-              <a:rPr lang="en-US" dirty="0" err="1"/>
-              <a:t>anlamına</a:t>
-            </a:r>
-            <a:r>
-              <a:rPr lang="en-US" dirty="0"/>
-              <a:t> </a:t>
-            </a:r>
-            <a:r>
-              <a:rPr lang="en-US" dirty="0" err="1"/>
-              <a:t>gelir</a:t>
-            </a:r>
-            <a:r>
-              <a:rPr lang="en-US" dirty="0"/>
-              <a:t>. Bu instance, </a:t>
-            </a:r>
-            <a:r>
-              <a:rPr lang="en-US" dirty="0" err="1"/>
-              <a:t>onu</a:t>
-            </a:r>
-            <a:r>
-              <a:rPr lang="en-US" dirty="0"/>
-              <a:t> </a:t>
-            </a:r>
-            <a:r>
-              <a:rPr lang="en-US" dirty="0" err="1"/>
-              <a:t>gerektiren</a:t>
-            </a:r>
-            <a:r>
-              <a:rPr lang="en-US" dirty="0"/>
-              <a:t> </a:t>
-            </a:r>
-            <a:r>
-              <a:rPr lang="en-US" dirty="0" err="1"/>
-              <a:t>tüm</a:t>
-            </a:r>
-            <a:r>
-              <a:rPr lang="en-US" dirty="0"/>
-              <a:t> </a:t>
-            </a:r>
-            <a:r>
-              <a:rPr lang="en-US" dirty="0" err="1"/>
-              <a:t>bileşenler</a:t>
-            </a:r>
-            <a:r>
-              <a:rPr lang="en-US" dirty="0"/>
-              <a:t> </a:t>
-            </a:r>
-            <a:r>
-              <a:rPr lang="en-US" dirty="0" err="1"/>
-              <a:t>arasında</a:t>
-            </a:r>
-            <a:r>
-              <a:rPr lang="en-US" dirty="0"/>
-              <a:t> </a:t>
-            </a:r>
-            <a:r>
-              <a:rPr lang="en-US" dirty="0" err="1"/>
-              <a:t>paylaşılır</a:t>
-            </a:r>
-            <a:r>
-              <a:rPr lang="en-US" dirty="0"/>
-              <a:t>. </a:t>
-            </a:r>
-            <a:r>
-              <a:rPr lang="en-US" dirty="0" err="1"/>
-              <a:t>Dolayısıyla</a:t>
-            </a:r>
-            <a:r>
-              <a:rPr lang="en-US" dirty="0"/>
-              <a:t> </a:t>
-            </a:r>
-            <a:r>
-              <a:rPr lang="en-US" dirty="0" err="1"/>
-              <a:t>aynı</a:t>
-            </a:r>
-            <a:r>
-              <a:rPr lang="en-US" dirty="0"/>
-              <a:t> instance </a:t>
-            </a:r>
-            <a:r>
-              <a:rPr lang="en-US" dirty="0" err="1"/>
-              <a:t>hep</a:t>
-            </a:r>
-            <a:r>
-              <a:rPr lang="en-US" dirty="0"/>
-              <a:t> </a:t>
-            </a:r>
-            <a:r>
-              <a:rPr lang="en-US" dirty="0" err="1"/>
-              <a:t>kullanılır</a:t>
-            </a:r>
-            <a:r>
-              <a:rPr lang="en-US" dirty="0"/>
+              <a:t>yapı</a:t>
+            </a:r>
+            <a:r>
+              <a:rPr lang="en-US" dirty="0"/>
+              <a:t> </a:t>
+            </a:r>
+            <a:r>
+              <a:rPr lang="en-US" dirty="0" err="1"/>
+              <a:t>oluşturmuştur</a:t>
+            </a:r>
+            <a:r>
+              <a:rPr lang="en-US" dirty="0" smtClean="0"/>
               <a:t>.</a:t>
             </a:r>
-          </a:p>
-          <a:p>
-            <a:pPr fontAlgn="base"/>
-            <a:r>
-              <a:rPr lang="en-US" b="1" dirty="0"/>
-              <a:t>Scoped: </a:t>
-            </a:r>
-            <a:r>
-              <a:rPr lang="en-US" dirty="0"/>
-              <a:t> Scope </a:t>
-            </a:r>
-            <a:r>
-              <a:rPr lang="en-US" dirty="0" err="1"/>
-              <a:t>başına</a:t>
+            <a:endParaRPr lang="tr-TR" dirty="0" smtClean="0"/>
+          </a:p>
+          <a:p>
+            <a:r>
+              <a:rPr lang="en-US" dirty="0"/>
+              <a:t> Asp.net Core </a:t>
+            </a:r>
+            <a:r>
+              <a:rPr lang="en-US" dirty="0" err="1"/>
+              <a:t>içerisinde</a:t>
+            </a:r>
+            <a:r>
+              <a:rPr lang="en-US" dirty="0"/>
+              <a:t> de minimum </a:t>
+            </a:r>
+            <a:r>
+              <a:rPr lang="en-US" dirty="0" err="1"/>
+              <a:t>özelliklere</a:t>
+            </a:r>
+            <a:r>
+              <a:rPr lang="en-US" dirty="0"/>
+              <a:t> </a:t>
+            </a:r>
+            <a:r>
+              <a:rPr lang="en-US" dirty="0" err="1"/>
+              <a:t>sahip</a:t>
             </a:r>
             <a:r>
               <a:rPr lang="en-US" dirty="0"/>
@@ -6192,251 +6302,17 @@
             </a:r>
             <a:r>
               <a:rPr lang="en-US" dirty="0"/>
-              <a:t> </a:t>
-            </a:r>
-            <a:r>
-              <a:rPr lang="en-US" dirty="0" err="1"/>
-              <a:t>kez</a:t>
-            </a:r>
-            <a:r>
-              <a:rPr lang="en-US" dirty="0"/>
-              <a:t> instance </a:t>
-            </a:r>
-            <a:r>
-              <a:rPr lang="en-US" dirty="0" err="1"/>
-              <a:t>oluşturulduğu</a:t>
-            </a:r>
-            <a:r>
-              <a:rPr lang="en-US" dirty="0"/>
-              <a:t> </a:t>
-            </a:r>
-            <a:r>
-              <a:rPr lang="en-US" dirty="0" err="1"/>
-              <a:t>anlamına</a:t>
-            </a:r>
-            <a:r>
-              <a:rPr lang="en-US" dirty="0"/>
-              <a:t> </a:t>
-            </a:r>
-            <a:r>
-              <a:rPr lang="en-US" dirty="0" err="1"/>
-              <a:t>gelir</a:t>
-            </a:r>
-            <a:r>
-              <a:rPr lang="en-US" dirty="0"/>
-              <a:t>. </a:t>
-            </a:r>
-            <a:r>
-              <a:rPr lang="en-US" dirty="0" err="1"/>
-              <a:t>Uygulamaya</a:t>
-            </a:r>
-            <a:r>
-              <a:rPr lang="en-US" dirty="0"/>
-              <a:t> </a:t>
-            </a:r>
-            <a:r>
-              <a:rPr lang="en-US" dirty="0" err="1"/>
-              <a:t>yapılan</a:t>
-            </a:r>
-            <a:r>
-              <a:rPr lang="en-US" dirty="0"/>
-              <a:t> her </a:t>
-            </a:r>
-            <a:r>
-              <a:rPr lang="en-US" dirty="0" err="1"/>
-              <a:t>istek</a:t>
-            </a:r>
-            <a:r>
-              <a:rPr lang="en-US" dirty="0"/>
-              <a:t> </a:t>
-            </a:r>
-            <a:r>
-              <a:rPr lang="en-US" dirty="0" err="1"/>
-              <a:t>üzerine</a:t>
-            </a:r>
-            <a:r>
-              <a:rPr lang="en-US" dirty="0"/>
-              <a:t> </a:t>
-            </a:r>
-            <a:r>
-              <a:rPr lang="en-US" dirty="0" err="1"/>
-              <a:t>bir</a:t>
-            </a:r>
-            <a:r>
-              <a:rPr lang="en-US" dirty="0"/>
-              <a:t> scope </a:t>
-            </a:r>
-            <a:r>
-              <a:rPr lang="en-US" dirty="0" err="1"/>
-              <a:t>oluşturulur</a:t>
-            </a:r>
-            <a:r>
-              <a:rPr lang="en-US" dirty="0"/>
-              <a:t>, </a:t>
-            </a:r>
-            <a:r>
-              <a:rPr lang="en-US" dirty="0" err="1"/>
-              <a:t>böylece</a:t>
-            </a:r>
-            <a:r>
-              <a:rPr lang="en-US" dirty="0"/>
-              <a:t> scoped </a:t>
-            </a:r>
-            <a:r>
-              <a:rPr lang="en-US" dirty="0" err="1"/>
-              <a:t>olarak</a:t>
-            </a:r>
-            <a:r>
-              <a:rPr lang="en-US" dirty="0"/>
-              <a:t> </a:t>
-            </a:r>
-            <a:r>
-              <a:rPr lang="en-US" dirty="0" err="1"/>
-              <a:t>kayıtlı</a:t>
-            </a:r>
-            <a:r>
-              <a:rPr lang="en-US" dirty="0"/>
-              <a:t> </a:t>
-            </a:r>
-            <a:r>
-              <a:rPr lang="en-US" dirty="0" err="1"/>
-              <a:t>tüm</a:t>
-            </a:r>
-            <a:r>
-              <a:rPr lang="en-US" dirty="0"/>
-              <a:t> </a:t>
-            </a:r>
-            <a:r>
-              <a:rPr lang="en-US" dirty="0" err="1"/>
-              <a:t>nesneler</a:t>
-            </a:r>
-            <a:r>
-              <a:rPr lang="en-US" dirty="0"/>
-              <a:t> </a:t>
-            </a:r>
-            <a:r>
-              <a:rPr lang="en-US" dirty="0" err="1"/>
-              <a:t>istek</a:t>
-            </a:r>
-            <a:r>
-              <a:rPr lang="en-US" dirty="0"/>
-              <a:t> </a:t>
-            </a:r>
-            <a:r>
-              <a:rPr lang="en-US" dirty="0" err="1"/>
-              <a:t>başına</a:t>
-            </a:r>
-            <a:r>
-              <a:rPr lang="en-US" dirty="0"/>
-              <a:t> </a:t>
-            </a:r>
-            <a:r>
-              <a:rPr lang="en-US" dirty="0" err="1"/>
-              <a:t>bir</a:t>
-            </a:r>
-            <a:r>
-              <a:rPr lang="en-US" dirty="0"/>
-              <a:t> </a:t>
-            </a:r>
-            <a:r>
-              <a:rPr lang="en-US" dirty="0" err="1"/>
-              <a:t>kez</a:t>
-            </a:r>
-            <a:r>
-              <a:rPr lang="en-US" dirty="0"/>
-              <a:t> </a:t>
-            </a:r>
-            <a:r>
-              <a:rPr lang="en-US" dirty="0" err="1"/>
-              <a:t>oluşturulur</a:t>
+              <a:t> IOC container </a:t>
+            </a:r>
+            <a:r>
+              <a:rPr lang="en-US" dirty="0" err="1"/>
+              <a:t>vardır</a:t>
             </a:r>
             <a:r>
               <a:rPr lang="en-US" dirty="0"/>
               <a:t>.</a:t>
             </a:r>
-          </a:p>
-          <a:p>
-            <a:pPr fontAlgn="base"/>
-            <a:r>
-              <a:rPr lang="en-US" b="1" dirty="0"/>
-              <a:t>Transient:</a:t>
-            </a:r>
-            <a:r>
-              <a:rPr lang="en-US" dirty="0"/>
-              <a:t> Her </a:t>
-            </a:r>
-            <a:r>
-              <a:rPr lang="en-US" dirty="0" err="1"/>
-              <a:t>istek</a:t>
-            </a:r>
-            <a:r>
-              <a:rPr lang="en-US" dirty="0"/>
-              <a:t> </a:t>
-            </a:r>
-            <a:r>
-              <a:rPr lang="en-US" dirty="0" err="1"/>
-              <a:t>başına</a:t>
-            </a:r>
-            <a:r>
-              <a:rPr lang="en-US" dirty="0"/>
-              <a:t> </a:t>
-            </a:r>
-            <a:r>
-              <a:rPr lang="en-US" dirty="0" err="1"/>
-              <a:t>yeni</a:t>
-            </a:r>
-            <a:r>
-              <a:rPr lang="en-US" dirty="0"/>
-              <a:t> </a:t>
-            </a:r>
-            <a:r>
-              <a:rPr lang="en-US" dirty="0" err="1"/>
-              <a:t>bir</a:t>
-            </a:r>
-            <a:r>
-              <a:rPr lang="en-US" dirty="0"/>
-              <a:t> instance </a:t>
-            </a:r>
-            <a:r>
-              <a:rPr lang="en-US" dirty="0" err="1"/>
-              <a:t>oluşturulur</a:t>
-            </a:r>
-            <a:r>
-              <a:rPr lang="en-US" dirty="0"/>
-              <a:t> </a:t>
-            </a:r>
-            <a:r>
-              <a:rPr lang="en-US" dirty="0" err="1"/>
-              <a:t>ve</a:t>
-            </a:r>
-            <a:r>
-              <a:rPr lang="en-US" dirty="0"/>
-              <a:t> </a:t>
-            </a:r>
-            <a:r>
-              <a:rPr lang="en-US" dirty="0" err="1"/>
-              <a:t>instance’lar</a:t>
-            </a:r>
-            <a:r>
-              <a:rPr lang="en-US" dirty="0"/>
-              <a:t> </a:t>
-            </a:r>
-            <a:r>
-              <a:rPr lang="en-US" dirty="0" err="1"/>
-              <a:t>hiçbir</a:t>
-            </a:r>
-            <a:r>
-              <a:rPr lang="en-US" dirty="0"/>
-              <a:t> zaman </a:t>
-            </a:r>
-            <a:r>
-              <a:rPr lang="en-US" dirty="0" err="1"/>
-              <a:t>paylaşılmazlar</a:t>
-            </a:r>
-            <a:r>
-              <a:rPr lang="en-US" dirty="0"/>
-              <a:t>.</a:t>
-            </a:r>
+            <a:endParaRPr lang="tr-TR" dirty="0" smtClean="0"/>
           </a:p>
           <a:p>
             <a:endParaRPr lang="en-US" dirty="0"/>
@@ -6446,13 +6322,20 @@
     </p:spTree>
     <p:extLst>
       <p:ext uri="{BB962C8B-B14F-4D97-AF65-F5344CB8AC3E}">
-        <p14:creationId xmlns:p14="http://schemas.microsoft.com/office/powerpoint/2010/main" val="2434792094"/>
+        <p14:creationId xmlns:p14="http://schemas.microsoft.com/office/powerpoint/2010/main" val="3006229430"/>
       </p:ext>
     </p:extLst>
   </p:cSld>
   <p:clrMapOvr>
     <a:masterClrMapping/>
   </p:clrMapOvr>
+  <p:timing>
+    <p:tnLst>
+      <p:par>
+        <p:cTn id="1" dur="indefinite" restart="never" nodeType="tmRoot"/>
+      </p:par>
+    </p:tnLst>
+  </p:timing>
 </p:sld>
 </file>
 
@@ -6494,7 +6377,7 @@
             </a:r>
             <a:r>
               <a:rPr lang="tr-TR" dirty="0" smtClean="0"/>
-              <a:t>2, Örnek 3</a:t>
+              <a:t>2</a:t>
             </a:r>
             <a:endParaRPr lang="en-US" dirty="0"/>
           </a:p>
@@ -6527,474 +6410,6 @@
     <p:extLst>
       <p:ext uri="{BB962C8B-B14F-4D97-AF65-F5344CB8AC3E}">
         <p14:creationId xmlns:p14="http://schemas.microsoft.com/office/powerpoint/2010/main" val="1539612844"/>
-      </p:ext>
-    </p:extLst>
-  </p:cSld>
-  <p:clrMapOvr>
-    <a:masterClrMapping/>
-  </p:clrMapOvr>
-</p:sld>
-</file>
-
-<file path=ppt/slides/slide12.xml><?xml version="1.0" encoding="utf-8"?>
-<p:sld xmlns:a="http://schemas.openxmlformats.org/drawingml/2006/main" xmlns:r="http://schemas.openxmlformats.org/officeDocument/2006/relationships" xmlns:p="http://schemas.openxmlformats.org/presentationml/2006/main">
-  <p:cSld>
-    <p:spTree>
-      <p:nvGrpSpPr>
-        <p:cNvPr id="1" name=""/>
-        <p:cNvGrpSpPr/>
-        <p:nvPr/>
-      </p:nvGrpSpPr>
-      <p:grpSpPr>
-        <a:xfrm>
-          <a:off x="0" y="0"/>
-          <a:ext cx="0" cy="0"/>
-          <a:chOff x="0" y="0"/>
-          <a:chExt cx="0" cy="0"/>
-        </a:xfrm>
-      </p:grpSpPr>
-      <p:graphicFrame>
-        <p:nvGraphicFramePr>
-          <p:cNvPr id="4" name="Content Placeholder 3"/>
-          <p:cNvGraphicFramePr>
-            <a:graphicFrameLocks noGrp="1"/>
-          </p:cNvGraphicFramePr>
-          <p:nvPr>
-            <p:ph idx="4294967295"/>
-            <p:extLst>
-              <p:ext uri="{D42A27DB-BD31-4B8C-83A1-F6EECF244321}">
-                <p14:modId xmlns:p14="http://schemas.microsoft.com/office/powerpoint/2010/main" val="1647145348"/>
-              </p:ext>
-            </p:extLst>
-          </p:nvPr>
-        </p:nvGraphicFramePr>
-        <p:xfrm>
-          <a:off x="1181819" y="1104180"/>
-          <a:ext cx="9601200" cy="4389120"/>
-        </p:xfrm>
-        <a:graphic>
-          <a:graphicData uri="http://schemas.openxmlformats.org/drawingml/2006/table">
-            <a:tbl>
-              <a:tblPr firstRow="1" bandRow="1">
-                <a:tableStyleId>{5C22544A-7EE6-4342-B048-85BDC9FD1C3A}</a:tableStyleId>
-              </a:tblPr>
-              <a:tblGrid>
-                <a:gridCol w="1906438"/>
-                <a:gridCol w="2853905"/>
-                <a:gridCol w="4840857"/>
-              </a:tblGrid>
-              <a:tr h="288121">
-                <a:tc>
-                  <a:txBody>
-                    <a:bodyPr/>
-                    <a:lstStyle/>
-                    <a:p>
-                      <a:r>
-                        <a:rPr lang="tr-TR" dirty="0" smtClean="0"/>
-                        <a:t>Fayda</a:t>
-                      </a:r>
-                      <a:endParaRPr lang="en-US" dirty="0"/>
-                    </a:p>
-                  </a:txBody>
-                  <a:tcPr/>
-                </a:tc>
-                <a:tc>
-                  <a:txBody>
-                    <a:bodyPr/>
-                    <a:lstStyle/>
-                    <a:p>
-                      <a:r>
-                        <a:rPr lang="tr-TR" dirty="0" smtClean="0"/>
-                        <a:t>Tanım</a:t>
-                      </a:r>
-                      <a:endParaRPr lang="en-US" dirty="0"/>
-                    </a:p>
-                  </a:txBody>
-                  <a:tcPr/>
-                </a:tc>
-                <a:tc>
-                  <a:txBody>
-                    <a:bodyPr/>
-                    <a:lstStyle/>
-                    <a:p>
-                      <a:r>
-                        <a:rPr lang="tr-TR" dirty="0" smtClean="0"/>
-                        <a:t>Ne zaman Değerli?</a:t>
-                      </a:r>
-                      <a:endParaRPr lang="en-US" dirty="0"/>
-                    </a:p>
-                  </a:txBody>
-                  <a:tcPr/>
-                </a:tc>
-              </a:tr>
-              <a:tr h="370840">
-                <a:tc>
-                  <a:txBody>
-                    <a:bodyPr/>
-                    <a:lstStyle/>
-                    <a:p>
-                      <a:r>
-                        <a:rPr lang="tr-TR" dirty="0" err="1" smtClean="0"/>
-                        <a:t>Late</a:t>
-                      </a:r>
-                      <a:r>
-                        <a:rPr lang="tr-TR" dirty="0" smtClean="0"/>
-                        <a:t> </a:t>
-                      </a:r>
-                      <a:r>
-                        <a:rPr lang="tr-TR" dirty="0" err="1" smtClean="0"/>
-                        <a:t>Binding</a:t>
-                      </a:r>
-                      <a:endParaRPr lang="en-US" dirty="0"/>
-                    </a:p>
-                  </a:txBody>
-                  <a:tcPr/>
-                </a:tc>
-                <a:tc>
-                  <a:txBody>
-                    <a:bodyPr/>
-                    <a:lstStyle/>
-                    <a:p>
-                      <a:r>
-                        <a:rPr lang="tr-TR" dirty="0" smtClean="0"/>
-                        <a:t>Servisler başka</a:t>
-                      </a:r>
-                      <a:r>
-                        <a:rPr lang="tr-TR" baseline="0" dirty="0" smtClean="0"/>
-                        <a:t> servislerle değiştirilebilirler.</a:t>
-                      </a:r>
-                      <a:endParaRPr lang="en-US" dirty="0"/>
-                    </a:p>
-                  </a:txBody>
-                  <a:tcPr/>
-                </a:tc>
-                <a:tc>
-                  <a:txBody>
-                    <a:bodyPr/>
-                    <a:lstStyle/>
-                    <a:p>
-                      <a:r>
-                        <a:rPr lang="tr-TR" dirty="0" smtClean="0"/>
-                        <a:t>Standart uygulamalarda</a:t>
-                      </a:r>
-                      <a:r>
-                        <a:rPr lang="tr-TR" baseline="0" dirty="0" smtClean="0"/>
-                        <a:t> değerlidir. Çalışma zamanı çok iyi tanımlanmış </a:t>
-                      </a:r>
-                      <a:r>
-                        <a:rPr lang="tr-TR" baseline="0" dirty="0" err="1" smtClean="0"/>
-                        <a:t>enterprise</a:t>
-                      </a:r>
-                      <a:r>
-                        <a:rPr lang="tr-TR" baseline="0" dirty="0" smtClean="0"/>
-                        <a:t> uygulamalarda daha az değerlidir.</a:t>
-                      </a:r>
-                      <a:endParaRPr lang="en-US" dirty="0"/>
-                    </a:p>
-                  </a:txBody>
-                  <a:tcPr/>
-                </a:tc>
-              </a:tr>
-              <a:tr h="370840">
-                <a:tc>
-                  <a:txBody>
-                    <a:bodyPr/>
-                    <a:lstStyle/>
-                    <a:p>
-                      <a:r>
-                        <a:rPr lang="tr-TR" dirty="0" err="1" smtClean="0"/>
-                        <a:t>Extensibility</a:t>
-                      </a:r>
-                      <a:endParaRPr lang="en-US" dirty="0"/>
-                    </a:p>
-                  </a:txBody>
-                  <a:tcPr/>
-                </a:tc>
-                <a:tc>
-                  <a:txBody>
-                    <a:bodyPr/>
-                    <a:lstStyle/>
-                    <a:p>
-                      <a:r>
-                        <a:rPr lang="en-US" dirty="0" err="1" smtClean="0"/>
-                        <a:t>Kod</a:t>
-                      </a:r>
-                      <a:r>
-                        <a:rPr lang="en-US" dirty="0" smtClean="0"/>
-                        <a:t>, </a:t>
-                      </a:r>
-                      <a:r>
-                        <a:rPr lang="tr-TR" dirty="0" smtClean="0"/>
-                        <a:t>başta </a:t>
-                      </a:r>
-                      <a:r>
-                        <a:rPr lang="en-US" dirty="0" err="1" smtClean="0"/>
-                        <a:t>planlanmayan</a:t>
-                      </a:r>
-                      <a:r>
-                        <a:rPr lang="en-US" dirty="0" smtClean="0"/>
-                        <a:t> </a:t>
-                      </a:r>
-                      <a:r>
-                        <a:rPr lang="tr-TR" dirty="0" smtClean="0"/>
-                        <a:t>yollara</a:t>
-                      </a:r>
-                      <a:r>
-                        <a:rPr lang="tr-TR" baseline="0" dirty="0" smtClean="0"/>
-                        <a:t> </a:t>
-                      </a:r>
-                      <a:r>
-                        <a:rPr lang="en-US" dirty="0" err="1" smtClean="0"/>
-                        <a:t>genişletilebilir</a:t>
-                      </a:r>
-                      <a:r>
-                        <a:rPr lang="en-US" dirty="0" smtClean="0"/>
-                        <a:t> </a:t>
-                      </a:r>
-                      <a:r>
-                        <a:rPr lang="en-US" dirty="0" err="1" smtClean="0"/>
-                        <a:t>ve</a:t>
-                      </a:r>
-                      <a:r>
-                        <a:rPr lang="en-US" dirty="0" smtClean="0"/>
-                        <a:t> </a:t>
-                      </a:r>
-                      <a:r>
-                        <a:rPr lang="en-US" dirty="0" err="1" smtClean="0"/>
-                        <a:t>tekrar</a:t>
-                      </a:r>
-                      <a:r>
-                        <a:rPr lang="en-US" dirty="0" smtClean="0"/>
-                        <a:t> </a:t>
-                      </a:r>
-                      <a:r>
-                        <a:rPr lang="en-US" dirty="0" err="1" smtClean="0"/>
-                        <a:t>kullanılabilir</a:t>
-                      </a:r>
-                      <a:r>
-                        <a:rPr lang="en-US" dirty="0" smtClean="0"/>
-                        <a:t>.</a:t>
-                      </a:r>
-                      <a:endParaRPr lang="en-US" dirty="0"/>
-                    </a:p>
-                  </a:txBody>
-                  <a:tcPr/>
-                </a:tc>
-                <a:tc>
-                  <a:txBody>
-                    <a:bodyPr/>
-                    <a:lstStyle/>
-                    <a:p>
-                      <a:r>
-                        <a:rPr lang="tr-TR" dirty="0" smtClean="0"/>
-                        <a:t>Her zaman değerlidir.</a:t>
-                      </a:r>
-                      <a:endParaRPr lang="en-US" dirty="0"/>
-                    </a:p>
-                  </a:txBody>
-                  <a:tcPr/>
-                </a:tc>
-              </a:tr>
-              <a:tr h="370840">
-                <a:tc>
-                  <a:txBody>
-                    <a:bodyPr/>
-                    <a:lstStyle/>
-                    <a:p>
-                      <a:r>
-                        <a:rPr lang="tr-TR" dirty="0" smtClean="0"/>
-                        <a:t>Paralel Development</a:t>
-                      </a:r>
-                      <a:endParaRPr lang="en-US" dirty="0"/>
-                    </a:p>
-                  </a:txBody>
-                  <a:tcPr/>
-                </a:tc>
-                <a:tc>
-                  <a:txBody>
-                    <a:bodyPr/>
-                    <a:lstStyle/>
-                    <a:p>
-                      <a:r>
-                        <a:rPr lang="tr-TR" dirty="0" smtClean="0"/>
-                        <a:t>Kod</a:t>
-                      </a:r>
-                      <a:r>
-                        <a:rPr lang="tr-TR" baseline="0" dirty="0" smtClean="0"/>
-                        <a:t> paralel şekilde geliştirilebilir.</a:t>
-                      </a:r>
-                      <a:endParaRPr lang="en-US" dirty="0"/>
-                    </a:p>
-                  </a:txBody>
-                  <a:tcPr/>
-                </a:tc>
-                <a:tc>
-                  <a:txBody>
-                    <a:bodyPr/>
-                    <a:lstStyle/>
-                    <a:p>
-                      <a:r>
-                        <a:rPr lang="tr-TR" dirty="0" smtClean="0"/>
-                        <a:t>Büyük ve </a:t>
-                      </a:r>
-                      <a:r>
-                        <a:rPr lang="tr-TR" dirty="0" err="1" smtClean="0"/>
-                        <a:t>complex</a:t>
-                      </a:r>
-                      <a:r>
-                        <a:rPr lang="tr-TR" dirty="0" smtClean="0"/>
-                        <a:t> </a:t>
-                      </a:r>
-                      <a:r>
-                        <a:rPr lang="tr-TR" dirty="0" err="1" smtClean="0"/>
-                        <a:t>uygulamlarda</a:t>
-                      </a:r>
-                      <a:r>
-                        <a:rPr lang="tr-TR" dirty="0" smtClean="0"/>
-                        <a:t> değerlidir. Küçük ve basit uygulamalarda çok</a:t>
-                      </a:r>
-                      <a:r>
-                        <a:rPr lang="tr-TR" baseline="0" dirty="0" smtClean="0"/>
-                        <a:t> değerli değildir.</a:t>
-                      </a:r>
-                      <a:endParaRPr lang="en-US" dirty="0"/>
-                    </a:p>
-                  </a:txBody>
-                  <a:tcPr/>
-                </a:tc>
-              </a:tr>
-              <a:tr h="370840">
-                <a:tc>
-                  <a:txBody>
-                    <a:bodyPr/>
-                    <a:lstStyle/>
-                    <a:p>
-                      <a:r>
-                        <a:rPr lang="tr-TR" dirty="0" err="1" smtClean="0"/>
-                        <a:t>Maintainability</a:t>
-                      </a:r>
-                      <a:endParaRPr lang="en-US" dirty="0"/>
-                    </a:p>
-                  </a:txBody>
-                  <a:tcPr/>
-                </a:tc>
-                <a:tc>
-                  <a:txBody>
-                    <a:bodyPr/>
-                    <a:lstStyle/>
-                    <a:p>
-                      <a:r>
-                        <a:rPr lang="tr-TR" dirty="0" smtClean="0"/>
-                        <a:t>Sorumlulukları</a:t>
-                      </a:r>
-                      <a:r>
-                        <a:rPr lang="tr-TR" baseline="0" dirty="0" smtClean="0"/>
-                        <a:t> iyi tanımlanmış </a:t>
-                      </a:r>
-                      <a:r>
-                        <a:rPr lang="tr-TR" baseline="0" dirty="0" err="1" smtClean="0"/>
-                        <a:t>class’ların</a:t>
-                      </a:r>
-                      <a:r>
-                        <a:rPr lang="tr-TR" baseline="0" dirty="0" smtClean="0"/>
-                        <a:t> bakımı daha kolaydır.</a:t>
-                      </a:r>
-                      <a:endParaRPr lang="en-US" dirty="0"/>
-                    </a:p>
-                  </a:txBody>
-                  <a:tcPr/>
-                </a:tc>
-                <a:tc>
-                  <a:txBody>
-                    <a:bodyPr/>
-                    <a:lstStyle/>
-                    <a:p>
-                      <a:r>
-                        <a:rPr lang="tr-TR" dirty="0" smtClean="0"/>
-                        <a:t>Her zaman değerlidir</a:t>
-                      </a:r>
-                      <a:endParaRPr lang="en-US" dirty="0"/>
-                    </a:p>
-                  </a:txBody>
-                  <a:tcPr/>
-                </a:tc>
-              </a:tr>
-              <a:tr h="370840">
-                <a:tc>
-                  <a:txBody>
-                    <a:bodyPr/>
-                    <a:lstStyle/>
-                    <a:p>
-                      <a:r>
-                        <a:rPr lang="tr-TR" dirty="0" err="1" smtClean="0"/>
-                        <a:t>Testability</a:t>
-                      </a:r>
-                      <a:endParaRPr lang="en-US" dirty="0"/>
-                    </a:p>
-                  </a:txBody>
-                  <a:tcPr/>
-                </a:tc>
-                <a:tc>
-                  <a:txBody>
-                    <a:bodyPr/>
-                    <a:lstStyle/>
-                    <a:p>
-                      <a:r>
-                        <a:rPr lang="tr-TR" dirty="0" err="1" smtClean="0"/>
-                        <a:t>Class’lar</a:t>
-                      </a:r>
-                      <a:r>
-                        <a:rPr lang="tr-TR" dirty="0" smtClean="0"/>
-                        <a:t> </a:t>
-                      </a:r>
-                      <a:r>
-                        <a:rPr lang="tr-TR" dirty="0" err="1" smtClean="0"/>
-                        <a:t>unit</a:t>
-                      </a:r>
-                      <a:r>
-                        <a:rPr lang="tr-TR" dirty="0" smtClean="0"/>
-                        <a:t> test ile test</a:t>
-                      </a:r>
-                      <a:r>
-                        <a:rPr lang="tr-TR" baseline="0" dirty="0" smtClean="0"/>
-                        <a:t> edilebilirler.</a:t>
-                      </a:r>
-                      <a:endParaRPr lang="en-US" dirty="0"/>
-                    </a:p>
-                  </a:txBody>
-                  <a:tcPr/>
-                </a:tc>
-                <a:tc>
-                  <a:txBody>
-                    <a:bodyPr/>
-                    <a:lstStyle/>
-                    <a:p>
-                      <a:r>
-                        <a:rPr lang="tr-TR" dirty="0" smtClean="0"/>
-                        <a:t>Eğer </a:t>
-                      </a:r>
-                      <a:r>
-                        <a:rPr lang="tr-TR" dirty="0" err="1" smtClean="0"/>
-                        <a:t>unit</a:t>
-                      </a:r>
-                      <a:r>
-                        <a:rPr lang="tr-TR" dirty="0" smtClean="0"/>
-                        <a:t> test yazıyorsanız değerlidir.</a:t>
-                      </a:r>
-                      <a:endParaRPr lang="en-US" dirty="0"/>
-                    </a:p>
-                  </a:txBody>
-                  <a:tcPr/>
-                </a:tc>
-              </a:tr>
-            </a:tbl>
-          </a:graphicData>
-        </a:graphic>
-      </p:graphicFrame>
-    </p:spTree>
-    <p:extLst>
-      <p:ext uri="{BB962C8B-B14F-4D97-AF65-F5344CB8AC3E}">
-        <p14:creationId xmlns:p14="http://schemas.microsoft.com/office/powerpoint/2010/main" val="3919741532"/>
       </p:ext>
     </p:extLst>
   </p:cSld>
@@ -7061,9 +6476,16 @@
             <p:ph idx="1"/>
           </p:nvPr>
         </p:nvSpPr>
-        <p:spPr/>
-        <p:txBody>
-          <a:bodyPr/>
+        <p:spPr>
+          <a:xfrm>
+            <a:off x="1295400" y="2556932"/>
+            <a:ext cx="9601197" cy="3318936"/>
+          </a:xfrm>
+        </p:spPr>
+        <p:txBody>
+          <a:bodyPr>
+            <a:normAutofit/>
+          </a:bodyPr>
           <a:lstStyle/>
           <a:p>
             <a:r>
@@ -7080,8 +6502,141 @@
             </a:r>
             <a:r>
               <a:rPr lang="tr-TR" dirty="0" smtClean="0"/>
-              <a:t> Nedir?</a:t>
-            </a:r>
+              <a:t> (DI) ve </a:t>
+            </a:r>
+            <a:r>
+              <a:rPr lang="tr-TR" dirty="0" err="1" smtClean="0"/>
+              <a:t>Inversion</a:t>
+            </a:r>
+            <a:r>
+              <a:rPr lang="tr-TR" dirty="0" smtClean="0"/>
+              <a:t> of Control (IOC)</a:t>
+            </a:r>
+          </a:p>
+          <a:p>
+            <a:r>
+              <a:rPr lang="tr-TR" dirty="0" err="1" smtClean="0"/>
+              <a:t>Tightly</a:t>
+            </a:r>
+            <a:r>
+              <a:rPr lang="tr-TR" dirty="0" smtClean="0"/>
+              <a:t> </a:t>
+            </a:r>
+            <a:r>
+              <a:rPr lang="tr-TR" dirty="0" err="1" smtClean="0"/>
+              <a:t>Coupled</a:t>
+            </a:r>
+            <a:r>
+              <a:rPr lang="tr-TR" dirty="0" smtClean="0"/>
+              <a:t> ve </a:t>
+            </a:r>
+            <a:r>
+              <a:rPr lang="tr-TR" dirty="0" err="1" smtClean="0"/>
+              <a:t>Loosely</a:t>
+            </a:r>
+            <a:r>
+              <a:rPr lang="tr-TR" dirty="0" smtClean="0"/>
+              <a:t> </a:t>
+            </a:r>
+            <a:r>
+              <a:rPr lang="tr-TR" dirty="0" err="1" smtClean="0"/>
+              <a:t>Coupled</a:t>
+            </a:r>
+            <a:r>
+              <a:rPr lang="tr-TR" dirty="0" smtClean="0"/>
+              <a:t> Sistemler</a:t>
+            </a:r>
+          </a:p>
+          <a:p>
+            <a:r>
+              <a:rPr lang="tr-TR" dirty="0" smtClean="0"/>
+              <a:t>DI Örneği</a:t>
+            </a:r>
+          </a:p>
+          <a:p>
+            <a:r>
+              <a:rPr lang="tr-TR" dirty="0" smtClean="0"/>
+              <a:t>IOC </a:t>
+            </a:r>
+            <a:r>
+              <a:rPr lang="tr-TR" dirty="0" err="1" smtClean="0"/>
+              <a:t>Container</a:t>
+            </a:r>
+            <a:r>
+              <a:rPr lang="tr-TR" dirty="0" smtClean="0"/>
+              <a:t> ve Service </a:t>
+            </a:r>
+            <a:r>
+              <a:rPr lang="tr-TR" dirty="0" err="1" smtClean="0"/>
+              <a:t>Lifetime</a:t>
+            </a:r>
+            <a:endParaRPr lang="tr-TR" dirty="0" smtClean="0"/>
+          </a:p>
+          <a:p>
+            <a:r>
+              <a:rPr lang="tr-TR" dirty="0" err="1" smtClean="0"/>
+              <a:t>Asp.Net</a:t>
+            </a:r>
+            <a:r>
+              <a:rPr lang="tr-TR" dirty="0" smtClean="0"/>
+              <a:t> </a:t>
+            </a:r>
+            <a:r>
+              <a:rPr lang="tr-TR" dirty="0" err="1" smtClean="0"/>
+              <a:t>Core</a:t>
+            </a:r>
+            <a:r>
+              <a:rPr lang="tr-TR" dirty="0" smtClean="0"/>
+              <a:t> ve DI</a:t>
+            </a:r>
+          </a:p>
+          <a:p>
+            <a:r>
+              <a:rPr lang="tr-TR" dirty="0" err="1" smtClean="0"/>
+              <a:t>Asp.Net</a:t>
+            </a:r>
+            <a:r>
+              <a:rPr lang="tr-TR" dirty="0" smtClean="0"/>
+              <a:t> </a:t>
+            </a:r>
+            <a:r>
+              <a:rPr lang="tr-TR" dirty="0" err="1" smtClean="0"/>
+              <a:t>Core</a:t>
+            </a:r>
+            <a:r>
+              <a:rPr lang="tr-TR" dirty="0" smtClean="0"/>
+              <a:t> DI Örneği</a:t>
+            </a:r>
+          </a:p>
+          <a:p>
+            <a:endParaRPr lang="tr-TR" dirty="0" smtClean="0"/>
+          </a:p>
+          <a:p>
+            <a:pPr marL="0" indent="0">
+              <a:buNone/>
+            </a:pPr>
+            <a:endParaRPr lang="tr-TR" dirty="0" smtClean="0"/>
+          </a:p>
+          <a:p>
+            <a:endParaRPr lang="tr-TR" dirty="0" smtClean="0"/>
+          </a:p>
+          <a:p>
+            <a:endParaRPr lang="tr-TR" dirty="0" smtClean="0"/>
+          </a:p>
+          <a:p>
+            <a:endParaRPr lang="tr-TR" dirty="0" smtClean="0"/>
+          </a:p>
+          <a:p>
+            <a:endParaRPr lang="tr-TR" dirty="0" smtClean="0"/>
+          </a:p>
+          <a:p>
+            <a:endParaRPr lang="tr-TR" dirty="0" smtClean="0"/>
+          </a:p>
+          <a:p>
+            <a:endParaRPr lang="tr-TR" dirty="0" smtClean="0"/>
+          </a:p>
+          <a:p>
+            <a:endParaRPr lang="tr-TR" dirty="0" smtClean="0"/>
           </a:p>
           <a:p>
             <a:endParaRPr lang="en-US" dirty="0"/>
@@ -7156,11 +6711,7 @@
             </a:r>
             <a:r>
               <a:rPr lang="tr-TR" dirty="0" smtClean="0"/>
-              <a:t> (DI</a:t>
-            </a:r>
-            <a:r>
-              <a:rPr lang="tr-TR" dirty="0" smtClean="0"/>
-              <a:t>) ve </a:t>
+              <a:t> (DI) ve </a:t>
             </a:r>
             <a:r>
               <a:rPr lang="tr-TR" dirty="0" err="1" smtClean="0"/>
@@ -8157,8 +7708,16 @@
           <a:lstStyle/>
           <a:p>
             <a:r>
-              <a:rPr lang="tr-TR" dirty="0" err="1" smtClean="0"/>
-              <a:t>Github</a:t>
+              <a:rPr lang="tr-TR" dirty="0">
+                <a:hlinkClick r:id="rId2"/>
+              </a:rPr>
+              <a:t>https://</a:t>
+            </a:r>
+            <a:r>
+              <a:rPr lang="tr-TR" dirty="0" smtClean="0">
+                <a:hlinkClick r:id="rId2"/>
+              </a:rPr>
+              <a:t>github.com/ozgurkaplan/MsMeetup20171025/tree/master/sample%201</a:t>
             </a:r>
             <a:r>
               <a:rPr lang="tr-TR" dirty="0" smtClean="0"/>
@@ -8275,11 +7834,7 @@
             </a:r>
             <a:r>
               <a:rPr lang="tr-TR" dirty="0" smtClean="0"/>
-              <a:t> </a:t>
-            </a:r>
-            <a:r>
-              <a:rPr lang="tr-TR" dirty="0" smtClean="0"/>
-              <a:t>yaratmak ve gerektiğinde bunları </a:t>
+              <a:t> yaratmak ve gerektiğinde bunları </a:t>
             </a:r>
             <a:r>
               <a:rPr lang="tr-TR" dirty="0" err="1" smtClean="0"/>
@@ -8295,11 +7850,7 @@
             </a:r>
             <a:r>
               <a:rPr lang="tr-TR" dirty="0" smtClean="0"/>
-              <a:t> denir</a:t>
-            </a:r>
-            <a:r>
-              <a:rPr lang="tr-TR" dirty="0" smtClean="0"/>
-              <a:t>.</a:t>
+              <a:t> denir.</a:t>
             </a:r>
           </a:p>
           <a:p>
@@ -8341,7 +7892,6 @@
               <a:rPr lang="en-US" dirty="0"/>
               <a:t>Stashbox</a:t>
             </a:r>
-            <a:endParaRPr lang="en-US" dirty="0"/>
           </a:p>
         </p:txBody>
       </p:sp>
@@ -8398,20 +7948,12 @@
           <a:lstStyle/>
           <a:p>
             <a:r>
+              <a:rPr lang="tr-TR" dirty="0" smtClean="0"/>
+              <a:t>Service </a:t>
+            </a:r>
+            <a:r>
               <a:rPr lang="tr-TR" dirty="0" err="1" smtClean="0"/>
-              <a:t>Asp.Net</a:t>
-            </a:r>
-            <a:r>
-              <a:rPr lang="tr-TR" dirty="0" smtClean="0"/>
-              <a:t> </a:t>
-            </a:r>
-            <a:r>
-              <a:rPr lang="tr-TR" dirty="0" err="1" smtClean="0"/>
-              <a:t>Core</a:t>
-            </a:r>
-            <a:r>
-              <a:rPr lang="tr-TR" dirty="0" smtClean="0"/>
-              <a:t> ve DI </a:t>
+              <a:t>LifeTime</a:t>
             </a:r>
             <a:endParaRPr lang="en-US" dirty="0"/>
           </a:p>
@@ -8434,13 +7976,245 @@
           </a:bodyPr>
           <a:lstStyle/>
           <a:p>
-            <a:r>
-              <a:rPr lang="en-US" dirty="0"/>
-              <a:t>Asp.net Core </a:t>
-            </a:r>
-            <a:r>
-              <a:rPr lang="en-US" dirty="0" err="1"/>
-              <a:t>tasarlanırken</a:t>
+            <a:pPr fontAlgn="base"/>
+            <a:r>
+              <a:rPr lang="en-US" b="1" dirty="0"/>
+              <a:t>Singleton:</a:t>
+            </a:r>
+            <a:r>
+              <a:rPr lang="en-US" dirty="0"/>
+              <a:t>  </a:t>
+            </a:r>
+            <a:r>
+              <a:rPr lang="en-US" dirty="0" err="1"/>
+              <a:t>Tek</a:t>
+            </a:r>
+            <a:r>
+              <a:rPr lang="en-US" dirty="0"/>
+              <a:t> </a:t>
+            </a:r>
+            <a:r>
+              <a:rPr lang="en-US" dirty="0" err="1"/>
+              <a:t>bir</a:t>
+            </a:r>
+            <a:r>
+              <a:rPr lang="en-US" dirty="0"/>
+              <a:t> </a:t>
+            </a:r>
+            <a:r>
+              <a:rPr lang="en-US" dirty="0" err="1"/>
+              <a:t>instance’ın</a:t>
+            </a:r>
+            <a:r>
+              <a:rPr lang="en-US" dirty="0"/>
+              <a:t> </a:t>
+            </a:r>
+            <a:r>
+              <a:rPr lang="en-US" dirty="0" err="1"/>
+              <a:t>oluşturulacağı</a:t>
+            </a:r>
+            <a:r>
+              <a:rPr lang="en-US" dirty="0"/>
+              <a:t> </a:t>
+            </a:r>
+            <a:r>
+              <a:rPr lang="en-US" dirty="0" err="1"/>
+              <a:t>anlamına</a:t>
+            </a:r>
+            <a:r>
+              <a:rPr lang="en-US" dirty="0"/>
+              <a:t> </a:t>
+            </a:r>
+            <a:r>
+              <a:rPr lang="en-US" dirty="0" err="1"/>
+              <a:t>gelir</a:t>
+            </a:r>
+            <a:r>
+              <a:rPr lang="en-US" dirty="0"/>
+              <a:t>. Bu instance, </a:t>
+            </a:r>
+            <a:r>
+              <a:rPr lang="en-US" dirty="0" err="1"/>
+              <a:t>onu</a:t>
+            </a:r>
+            <a:r>
+              <a:rPr lang="en-US" dirty="0"/>
+              <a:t> </a:t>
+            </a:r>
+            <a:r>
+              <a:rPr lang="en-US" dirty="0" err="1"/>
+              <a:t>gerektiren</a:t>
+            </a:r>
+            <a:r>
+              <a:rPr lang="en-US" dirty="0"/>
+              <a:t> </a:t>
+            </a:r>
+            <a:r>
+              <a:rPr lang="en-US" dirty="0" err="1"/>
+              <a:t>tüm</a:t>
+            </a:r>
+            <a:r>
+              <a:rPr lang="en-US" dirty="0"/>
+              <a:t> </a:t>
+            </a:r>
+            <a:r>
+              <a:rPr lang="en-US" dirty="0" err="1"/>
+              <a:t>bileşenler</a:t>
+            </a:r>
+            <a:r>
+              <a:rPr lang="en-US" dirty="0"/>
+              <a:t> </a:t>
+            </a:r>
+            <a:r>
+              <a:rPr lang="en-US" dirty="0" err="1"/>
+              <a:t>arasında</a:t>
+            </a:r>
+            <a:r>
+              <a:rPr lang="en-US" dirty="0"/>
+              <a:t> </a:t>
+            </a:r>
+            <a:r>
+              <a:rPr lang="en-US" dirty="0" err="1"/>
+              <a:t>paylaşılır</a:t>
+            </a:r>
+            <a:r>
+              <a:rPr lang="en-US" dirty="0"/>
+              <a:t>. </a:t>
+            </a:r>
+            <a:r>
+              <a:rPr lang="en-US" dirty="0" err="1"/>
+              <a:t>Dolayısıyla</a:t>
+            </a:r>
+            <a:r>
+              <a:rPr lang="en-US" dirty="0"/>
+              <a:t> </a:t>
+            </a:r>
+            <a:r>
+              <a:rPr lang="en-US" dirty="0" err="1"/>
+              <a:t>aynı</a:t>
+            </a:r>
+            <a:r>
+              <a:rPr lang="en-US" dirty="0"/>
+              <a:t> instance </a:t>
+            </a:r>
+            <a:r>
+              <a:rPr lang="en-US" dirty="0" err="1"/>
+              <a:t>hep</a:t>
+            </a:r>
+            <a:r>
+              <a:rPr lang="en-US" dirty="0"/>
+              <a:t> </a:t>
+            </a:r>
+            <a:r>
+              <a:rPr lang="en-US" dirty="0" err="1"/>
+              <a:t>kullanılır</a:t>
+            </a:r>
+            <a:r>
+              <a:rPr lang="en-US" dirty="0"/>
+              <a:t>.</a:t>
+            </a:r>
+          </a:p>
+          <a:p>
+            <a:pPr fontAlgn="base"/>
+            <a:r>
+              <a:rPr lang="en-US" b="1" dirty="0"/>
+              <a:t>Scoped: </a:t>
+            </a:r>
+            <a:r>
+              <a:rPr lang="en-US" dirty="0"/>
+              <a:t> Scope </a:t>
+            </a:r>
+            <a:r>
+              <a:rPr lang="en-US" dirty="0" err="1"/>
+              <a:t>başına</a:t>
+            </a:r>
+            <a:r>
+              <a:rPr lang="en-US" dirty="0"/>
+              <a:t> </a:t>
+            </a:r>
+            <a:r>
+              <a:rPr lang="en-US" dirty="0" err="1"/>
+              <a:t>bir</a:t>
+            </a:r>
+            <a:r>
+              <a:rPr lang="en-US" dirty="0"/>
+              <a:t> </a:t>
+            </a:r>
+            <a:r>
+              <a:rPr lang="en-US" dirty="0" err="1"/>
+              <a:t>kez</a:t>
+            </a:r>
+            <a:r>
+              <a:rPr lang="en-US" dirty="0"/>
+              <a:t> instance </a:t>
+            </a:r>
+            <a:r>
+              <a:rPr lang="en-US" dirty="0" err="1"/>
+              <a:t>oluşturulduğu</a:t>
+            </a:r>
+            <a:r>
+              <a:rPr lang="en-US" dirty="0"/>
+              <a:t> </a:t>
+            </a:r>
+            <a:r>
+              <a:rPr lang="en-US" dirty="0" err="1"/>
+              <a:t>anlamına</a:t>
+            </a:r>
+            <a:r>
+              <a:rPr lang="en-US" dirty="0"/>
+              <a:t> </a:t>
+            </a:r>
+            <a:r>
+              <a:rPr lang="en-US" dirty="0" err="1"/>
+              <a:t>gelir</a:t>
+            </a:r>
+            <a:r>
+              <a:rPr lang="en-US" dirty="0"/>
+              <a:t>. </a:t>
+            </a:r>
+            <a:r>
+              <a:rPr lang="en-US" dirty="0" err="1"/>
+              <a:t>Uygulamaya</a:t>
+            </a:r>
+            <a:r>
+              <a:rPr lang="en-US" dirty="0"/>
+              <a:t> </a:t>
+            </a:r>
+            <a:r>
+              <a:rPr lang="en-US" dirty="0" err="1"/>
+              <a:t>yapılan</a:t>
+            </a:r>
+            <a:r>
+              <a:rPr lang="en-US" dirty="0"/>
+              <a:t> her </a:t>
+            </a:r>
+            <a:r>
+              <a:rPr lang="en-US" dirty="0" err="1"/>
+              <a:t>istek</a:t>
+            </a:r>
+            <a:r>
+              <a:rPr lang="en-US" dirty="0"/>
+              <a:t> </a:t>
+            </a:r>
+            <a:r>
+              <a:rPr lang="en-US" dirty="0" err="1"/>
+              <a:t>üzerine</a:t>
+            </a:r>
+            <a:r>
+              <a:rPr lang="en-US" dirty="0"/>
+              <a:t> </a:t>
+            </a:r>
+            <a:r>
+              <a:rPr lang="en-US" dirty="0" err="1"/>
+              <a:t>bir</a:t>
+            </a:r>
+            <a:r>
+              <a:rPr lang="en-US" dirty="0"/>
+              <a:t> scope </a:t>
+            </a:r>
+            <a:r>
+              <a:rPr lang="en-US" dirty="0" err="1"/>
+              <a:t>oluşturulur</a:t>
             </a:r>
             <a:r>
               <a:rPr lang="en-US" dirty="0"/>
@@ -8448,31 +8222,130 @@
             </a:r>
             <a:r>
               <a:rPr lang="en-US" dirty="0" err="1"/>
-              <a:t>DI’ı</a:t>
-            </a:r>
-            <a:r>
-              <a:rPr lang="en-US" dirty="0"/>
-              <a:t> </a:t>
-            </a:r>
-            <a:r>
-              <a:rPr lang="en-US" dirty="0" err="1"/>
-              <a:t>maksimum</a:t>
-            </a:r>
-            <a:r>
-              <a:rPr lang="en-US" dirty="0"/>
-              <a:t> </a:t>
-            </a:r>
-            <a:r>
-              <a:rPr lang="en-US" dirty="0" err="1"/>
-              <a:t>düzeyde</a:t>
-            </a:r>
-            <a:r>
-              <a:rPr lang="en-US" dirty="0"/>
-              <a:t> </a:t>
-            </a:r>
-            <a:r>
-              <a:rPr lang="en-US" dirty="0" err="1"/>
-              <a:t>desteklemek</a:t>
+              <a:t>böylece</a:t>
+            </a:r>
+            <a:r>
+              <a:rPr lang="en-US" dirty="0"/>
+              <a:t> scoped </a:t>
+            </a:r>
+            <a:r>
+              <a:rPr lang="en-US" dirty="0" err="1"/>
+              <a:t>olarak</a:t>
+            </a:r>
+            <a:r>
+              <a:rPr lang="en-US" dirty="0"/>
+              <a:t> </a:t>
+            </a:r>
+            <a:r>
+              <a:rPr lang="en-US" dirty="0" err="1"/>
+              <a:t>kayıtlı</a:t>
+            </a:r>
+            <a:r>
+              <a:rPr lang="en-US" dirty="0"/>
+              <a:t> </a:t>
+            </a:r>
+            <a:r>
+              <a:rPr lang="en-US" dirty="0" err="1"/>
+              <a:t>tüm</a:t>
+            </a:r>
+            <a:r>
+              <a:rPr lang="en-US" dirty="0"/>
+              <a:t> </a:t>
+            </a:r>
+            <a:r>
+              <a:rPr lang="en-US" dirty="0" err="1"/>
+              <a:t>nesneler</a:t>
+            </a:r>
+            <a:r>
+              <a:rPr lang="en-US" dirty="0"/>
+              <a:t> </a:t>
+            </a:r>
+            <a:r>
+              <a:rPr lang="en-US" dirty="0" err="1"/>
+              <a:t>istek</a:t>
+            </a:r>
+            <a:r>
+              <a:rPr lang="en-US" dirty="0"/>
+              <a:t> </a:t>
+            </a:r>
+            <a:r>
+              <a:rPr lang="en-US" dirty="0" err="1"/>
+              <a:t>başına</a:t>
+            </a:r>
+            <a:r>
+              <a:rPr lang="en-US" dirty="0"/>
+              <a:t> </a:t>
+            </a:r>
+            <a:r>
+              <a:rPr lang="en-US" dirty="0" err="1"/>
+              <a:t>bir</a:t>
+            </a:r>
+            <a:r>
+              <a:rPr lang="en-US" dirty="0"/>
+              <a:t> </a:t>
+            </a:r>
+            <a:r>
+              <a:rPr lang="en-US" dirty="0" err="1"/>
+              <a:t>kez</a:t>
+            </a:r>
+            <a:r>
+              <a:rPr lang="en-US" dirty="0"/>
+              <a:t> </a:t>
+            </a:r>
+            <a:r>
+              <a:rPr lang="en-US" dirty="0" err="1"/>
+              <a:t>oluşturulur</a:t>
+            </a:r>
+            <a:r>
+              <a:rPr lang="en-US" dirty="0"/>
+              <a:t>.</a:t>
+            </a:r>
+          </a:p>
+          <a:p>
+            <a:pPr fontAlgn="base"/>
+            <a:r>
+              <a:rPr lang="en-US" b="1" dirty="0"/>
+              <a:t>Transient:</a:t>
+            </a:r>
+            <a:r>
+              <a:rPr lang="en-US" dirty="0"/>
+              <a:t> Her </a:t>
+            </a:r>
+            <a:r>
+              <a:rPr lang="en-US" dirty="0" err="1"/>
+              <a:t>istek</a:t>
+            </a:r>
+            <a:r>
+              <a:rPr lang="en-US" dirty="0"/>
+              <a:t> </a:t>
+            </a:r>
+            <a:r>
+              <a:rPr lang="en-US" dirty="0" err="1"/>
+              <a:t>başına</a:t>
+            </a:r>
+            <a:r>
+              <a:rPr lang="en-US" dirty="0"/>
+              <a:t> </a:t>
+            </a:r>
+            <a:r>
+              <a:rPr lang="en-US" dirty="0" err="1"/>
+              <a:t>yeni</a:t>
+            </a:r>
+            <a:r>
+              <a:rPr lang="en-US" dirty="0"/>
+              <a:t> </a:t>
+            </a:r>
+            <a:r>
+              <a:rPr lang="en-US" dirty="0" err="1"/>
+              <a:t>bir</a:t>
+            </a:r>
+            <a:r>
+              <a:rPr lang="en-US" dirty="0"/>
+              <a:t> instance </a:t>
+            </a:r>
+            <a:r>
+              <a:rPr lang="en-US" dirty="0" err="1"/>
+              <a:t>oluşturulur</a:t>
             </a:r>
             <a:r>
               <a:rPr lang="en-US" dirty="0"/>
@@ -8488,228 +8361,28 @@
             </a:r>
             <a:r>
               <a:rPr lang="en-US" dirty="0" err="1"/>
-              <a:t>DI’dan</a:t>
-            </a:r>
-            <a:r>
-              <a:rPr lang="en-US" dirty="0"/>
-              <a:t> </a:t>
-            </a:r>
-            <a:r>
-              <a:rPr lang="en-US" dirty="0" err="1"/>
-              <a:t>faydalanmak</a:t>
-            </a:r>
-            <a:r>
-              <a:rPr lang="en-US" dirty="0"/>
-              <a:t> </a:t>
-            </a:r>
-            <a:r>
-              <a:rPr lang="en-US" dirty="0" err="1"/>
-              <a:t>amaçlanmıştır</a:t>
-            </a:r>
-            <a:r>
-              <a:rPr lang="en-US" dirty="0"/>
-              <a:t>. </a:t>
-            </a:r>
-            <a:endParaRPr lang="tr-TR" dirty="0" smtClean="0"/>
-          </a:p>
-          <a:p>
-            <a:r>
-              <a:rPr lang="en-US" dirty="0"/>
-              <a:t>Asp.net Core </a:t>
-            </a:r>
-            <a:r>
-              <a:rPr lang="en-US" dirty="0" err="1"/>
-              <a:t>öncesinde</a:t>
-            </a:r>
-            <a:r>
-              <a:rPr lang="en-US" dirty="0"/>
-              <a:t>, her </a:t>
-            </a:r>
-            <a:r>
-              <a:rPr lang="en-US" dirty="0" err="1"/>
-              <a:t>uygulama</a:t>
-            </a:r>
-            <a:r>
-              <a:rPr lang="en-US" dirty="0"/>
-              <a:t> </a:t>
-            </a:r>
-            <a:r>
-              <a:rPr lang="en-US" dirty="0" err="1"/>
-              <a:t>türü</a:t>
-            </a:r>
-            <a:r>
-              <a:rPr lang="en-US" dirty="0"/>
-              <a:t>-(MVC, Web API vb.) </a:t>
-            </a:r>
-            <a:r>
-              <a:rPr lang="en-US" dirty="0" err="1"/>
-              <a:t>kendi</a:t>
-            </a:r>
-            <a:r>
-              <a:rPr lang="en-US" dirty="0"/>
-              <a:t> “dependency resolver” </a:t>
-            </a:r>
-            <a:r>
-              <a:rPr lang="en-US" dirty="0" err="1"/>
-              <a:t>mekanizmasına</a:t>
-            </a:r>
-            <a:r>
-              <a:rPr lang="en-US" dirty="0"/>
-              <a:t> </a:t>
-            </a:r>
-            <a:r>
-              <a:rPr lang="en-US" dirty="0" err="1"/>
-              <a:t>sahipti</a:t>
-            </a:r>
-            <a:r>
-              <a:rPr lang="en-US" dirty="0" smtClean="0"/>
+              <a:t>instance’lar</a:t>
+            </a:r>
+            <a:r>
+              <a:rPr lang="en-US" dirty="0"/>
+              <a:t> </a:t>
+            </a:r>
+            <a:r>
+              <a:rPr lang="en-US" dirty="0" err="1"/>
+              <a:t>hiçbir</a:t>
+            </a:r>
+            <a:r>
+              <a:rPr lang="en-US" dirty="0"/>
+              <a:t> zaman </a:t>
+            </a:r>
+            <a:r>
+              <a:rPr lang="en-US" dirty="0" err="1"/>
+              <a:t>paylaşılmazlar</a:t>
+            </a:r>
+            <a:r>
+              <a:rPr lang="en-US" dirty="0"/>
               <a:t>.</a:t>
             </a:r>
-            <a:endParaRPr lang="tr-TR" dirty="0" smtClean="0"/>
-          </a:p>
-          <a:p>
-            <a:r>
-              <a:rPr lang="en-US" dirty="0"/>
-              <a:t> ASP.NET Core </a:t>
-            </a:r>
-            <a:r>
-              <a:rPr lang="en-US" dirty="0" err="1"/>
-              <a:t>ise</a:t>
-            </a:r>
-            <a:r>
-              <a:rPr lang="en-US" dirty="0"/>
-              <a:t> </a:t>
-            </a:r>
-            <a:r>
-              <a:rPr lang="en-US" dirty="0" err="1" smtClean="0">
-                <a:hlinkClick r:id="rId2"/>
-              </a:rPr>
-              <a:t>Microsoft.Extensions.DependencyInjection</a:t>
-            </a:r>
-            <a:r>
-              <a:rPr lang="tr-TR" dirty="0" smtClean="0"/>
-              <a:t> </a:t>
-            </a:r>
-            <a:r>
-              <a:rPr lang="en-US" dirty="0" smtClean="0"/>
-              <a:t> </a:t>
-            </a:r>
-            <a:r>
-              <a:rPr lang="en-US" dirty="0" err="1" smtClean="0"/>
-              <a:t>ile</a:t>
-            </a:r>
-            <a:r>
-              <a:rPr lang="tr-TR" dirty="0"/>
-              <a:t> </a:t>
-            </a:r>
-            <a:r>
-              <a:rPr lang="en-US" dirty="0" smtClean="0"/>
-              <a:t>IOC  </a:t>
-            </a:r>
-            <a:r>
-              <a:rPr lang="en-US" dirty="0" err="1"/>
-              <a:t>container’larının</a:t>
-            </a:r>
-            <a:r>
-              <a:rPr lang="en-US" dirty="0"/>
-              <a:t> </a:t>
-            </a:r>
-            <a:r>
-              <a:rPr lang="en-US" dirty="0" err="1"/>
-              <a:t>kullanması</a:t>
-            </a:r>
-            <a:r>
-              <a:rPr lang="en-US" dirty="0"/>
-              <a:t> </a:t>
-            </a:r>
-            <a:r>
-              <a:rPr lang="en-US" dirty="0" err="1"/>
-              <a:t>için</a:t>
-            </a:r>
-            <a:r>
-              <a:rPr lang="en-US" dirty="0"/>
-              <a:t> </a:t>
-            </a:r>
-            <a:r>
-              <a:rPr lang="en-US" dirty="0" err="1"/>
-              <a:t>ortak</a:t>
-            </a:r>
-            <a:r>
-              <a:rPr lang="en-US" dirty="0"/>
-              <a:t> </a:t>
-            </a:r>
-            <a:r>
-              <a:rPr lang="en-US" dirty="0" err="1"/>
-              <a:t>bir</a:t>
-            </a:r>
-            <a:r>
-              <a:rPr lang="en-US" dirty="0"/>
-              <a:t> </a:t>
-            </a:r>
-            <a:r>
-              <a:rPr lang="en-US" dirty="0" err="1"/>
-              <a:t>yapı</a:t>
-            </a:r>
-            <a:r>
-              <a:rPr lang="en-US" dirty="0"/>
-              <a:t> </a:t>
-            </a:r>
-            <a:r>
-              <a:rPr lang="en-US" dirty="0" err="1"/>
-              <a:t>oluşturmuştur</a:t>
-            </a:r>
-            <a:r>
-              <a:rPr lang="en-US" dirty="0" smtClean="0"/>
-              <a:t>.</a:t>
-            </a:r>
-            <a:endParaRPr lang="tr-TR" dirty="0" smtClean="0"/>
-          </a:p>
-          <a:p>
-            <a:r>
-              <a:rPr lang="en-US" dirty="0"/>
-              <a:t> Asp.net Core </a:t>
-            </a:r>
-            <a:r>
-              <a:rPr lang="en-US" dirty="0" err="1"/>
-              <a:t>içerisinde</a:t>
-            </a:r>
-            <a:r>
-              <a:rPr lang="en-US" dirty="0"/>
-              <a:t> de minimum </a:t>
-            </a:r>
-            <a:r>
-              <a:rPr lang="en-US" dirty="0" err="1"/>
-              <a:t>özelliklere</a:t>
-            </a:r>
-            <a:r>
-              <a:rPr lang="en-US" dirty="0"/>
-              <a:t> </a:t>
-            </a:r>
-            <a:r>
-              <a:rPr lang="en-US" dirty="0" err="1"/>
-              <a:t>sahip</a:t>
-            </a:r>
-            <a:r>
-              <a:rPr lang="en-US" dirty="0"/>
-              <a:t> </a:t>
-            </a:r>
-            <a:r>
-              <a:rPr lang="en-US" dirty="0" err="1"/>
-              <a:t>bir</a:t>
-            </a:r>
-            <a:r>
-              <a:rPr lang="en-US" dirty="0"/>
-              <a:t> IOC container </a:t>
-            </a:r>
-            <a:r>
-              <a:rPr lang="en-US" dirty="0" err="1"/>
-              <a:t>vardır</a:t>
-            </a:r>
-            <a:r>
-              <a:rPr lang="en-US" dirty="0"/>
-              <a:t>.</a:t>
-            </a:r>
-            <a:endParaRPr lang="tr-TR" dirty="0" smtClean="0"/>
           </a:p>
           <a:p>
             <a:endParaRPr lang="en-US" dirty="0"/>
@@ -8719,7 +8392,7 @@
     </p:spTree>
     <p:extLst>
       <p:ext uri="{BB962C8B-B14F-4D97-AF65-F5344CB8AC3E}">
-        <p14:creationId xmlns:p14="http://schemas.microsoft.com/office/powerpoint/2010/main" val="3006229430"/>
+        <p14:creationId xmlns:p14="http://schemas.microsoft.com/office/powerpoint/2010/main" val="2434792094"/>
       </p:ext>
     </p:extLst>
   </p:cSld>

--- a/Dependency Injection with net Core.pptx
+++ b/Dependency Injection with net Core.pptx
@@ -352,7 +352,7 @@
           <a:p>
             <a:fld id="{EBDE8E5D-C869-4FB9-B3F7-0015C8FAA6FA}" type="datetimeFigureOut">
               <a:rPr lang="en-US" smtClean="0"/>
-              <a:t>10/24/2017</a:t>
+              <a:t>10/25/2017</a:t>
             </a:fld>
             <a:endParaRPr lang="en-US"/>
           </a:p>
@@ -560,7 +560,7 @@
           <a:p>
             <a:fld id="{EBDE8E5D-C869-4FB9-B3F7-0015C8FAA6FA}" type="datetimeFigureOut">
               <a:rPr lang="en-US" smtClean="0"/>
-              <a:t>10/24/2017</a:t>
+              <a:t>10/25/2017</a:t>
             </a:fld>
             <a:endParaRPr lang="en-US"/>
           </a:p>
@@ -816,7 +816,7 @@
           <a:p>
             <a:fld id="{EBDE8E5D-C869-4FB9-B3F7-0015C8FAA6FA}" type="datetimeFigureOut">
               <a:rPr lang="en-US" smtClean="0"/>
-              <a:t>10/24/2017</a:t>
+              <a:t>10/25/2017</a:t>
             </a:fld>
             <a:endParaRPr lang="en-US"/>
           </a:p>
@@ -990,7 +990,7 @@
           <a:p>
             <a:fld id="{EBDE8E5D-C869-4FB9-B3F7-0015C8FAA6FA}" type="datetimeFigureOut">
               <a:rPr lang="en-US" smtClean="0"/>
-              <a:t>10/24/2017</a:t>
+              <a:t>10/25/2017</a:t>
             </a:fld>
             <a:endParaRPr lang="en-US"/>
           </a:p>
@@ -1333,7 +1333,7 @@
           <a:p>
             <a:fld id="{EBDE8E5D-C869-4FB9-B3F7-0015C8FAA6FA}" type="datetimeFigureOut">
               <a:rPr lang="en-US" smtClean="0"/>
-              <a:t>10/24/2017</a:t>
+              <a:t>10/25/2017</a:t>
             </a:fld>
             <a:endParaRPr lang="en-US"/>
           </a:p>
@@ -1608,7 +1608,7 @@
           <a:p>
             <a:fld id="{EBDE8E5D-C869-4FB9-B3F7-0015C8FAA6FA}" type="datetimeFigureOut">
               <a:rPr lang="en-US" smtClean="0"/>
-              <a:t>10/24/2017</a:t>
+              <a:t>10/25/2017</a:t>
             </a:fld>
             <a:endParaRPr lang="en-US"/>
           </a:p>
@@ -1987,7 +1987,7 @@
           <a:p>
             <a:fld id="{EBDE8E5D-C869-4FB9-B3F7-0015C8FAA6FA}" type="datetimeFigureOut">
               <a:rPr lang="en-US" smtClean="0"/>
-              <a:t>10/24/2017</a:t>
+              <a:t>10/25/2017</a:t>
             </a:fld>
             <a:endParaRPr lang="en-US"/>
           </a:p>
@@ -2105,7 +2105,7 @@
           <a:p>
             <a:fld id="{EBDE8E5D-C869-4FB9-B3F7-0015C8FAA6FA}" type="datetimeFigureOut">
               <a:rPr lang="en-US" smtClean="0"/>
-              <a:t>10/24/2017</a:t>
+              <a:t>10/25/2017</a:t>
             </a:fld>
             <a:endParaRPr lang="en-US"/>
           </a:p>
@@ -2276,7 +2276,7 @@
           <a:p>
             <a:fld id="{EBDE8E5D-C869-4FB9-B3F7-0015C8FAA6FA}" type="datetimeFigureOut">
               <a:rPr lang="en-US" smtClean="0"/>
-              <a:t>10/24/2017</a:t>
+              <a:t>10/25/2017</a:t>
             </a:fld>
             <a:endParaRPr lang="en-US"/>
           </a:p>
@@ -2630,7 +2630,7 @@
           <a:p>
             <a:fld id="{EBDE8E5D-C869-4FB9-B3F7-0015C8FAA6FA}" type="datetimeFigureOut">
               <a:rPr lang="en-US" smtClean="0"/>
-              <a:t>10/24/2017</a:t>
+              <a:t>10/25/2017</a:t>
             </a:fld>
             <a:endParaRPr lang="en-US"/>
           </a:p>
@@ -3012,7 +3012,7 @@
           <a:p>
             <a:fld id="{EBDE8E5D-C869-4FB9-B3F7-0015C8FAA6FA}" type="datetimeFigureOut">
               <a:rPr lang="en-US" smtClean="0"/>
-              <a:t>10/24/2017</a:t>
+              <a:t>10/25/2017</a:t>
             </a:fld>
             <a:endParaRPr lang="en-US"/>
           </a:p>
@@ -3299,7 +3299,7 @@
           <a:p>
             <a:fld id="{EBDE8E5D-C869-4FB9-B3F7-0015C8FAA6FA}" type="datetimeFigureOut">
               <a:rPr lang="en-US" smtClean="0"/>
-              <a:t>10/24/2017</a:t>
+              <a:t>10/25/2017</a:t>
             </a:fld>
             <a:endParaRPr lang="en-US"/>
           </a:p>
@@ -3908,6 +3908,14 @@
   <p:clrMapOvr>
     <a:masterClrMapping/>
   </p:clrMapOvr>
+  <mc:AlternateContent xmlns:mc="http://schemas.openxmlformats.org/markup-compatibility/2006">
+    <mc:Choice xmlns:p14="http://schemas.microsoft.com/office/powerpoint/2010/main" Requires="p14">
+      <p:transition spd="slow" p14:dur="2000" advClick="0"/>
+    </mc:Choice>
+    <mc:Fallback>
+      <p:transition spd="slow" advClick="0"/>
+    </mc:Fallback>
+  </mc:AlternateContent>
   <p:timing>
     <p:tnLst>
       <p:par>
@@ -5333,7 +5341,15 @@
             </a:r>
             <a:r>
               <a:rPr lang="tr-TR" sz="2800" dirty="0" smtClean="0"/>
-              <a:t> bütün ortamlarda kurulu değil ise. Örnek 3rd </a:t>
+              <a:t> bütün ortamlarda </a:t>
+            </a:r>
+            <a:r>
+              <a:rPr lang="tr-TR" sz="2800" smtClean="0"/>
+              <a:t>kurulu değil. </a:t>
+            </a:r>
+            <a:r>
+              <a:rPr lang="tr-TR" sz="2800" dirty="0" smtClean="0"/>
+              <a:t>Örnek 3rd </a:t>
             </a:r>
             <a:r>
               <a:rPr lang="tr-TR" sz="2800" dirty="0" err="1" smtClean="0"/>
@@ -5444,11 +5460,7 @@
           <a:p>
             <a:r>
               <a:rPr lang="tr-TR" sz="7200" dirty="0" smtClean="0"/>
-              <a:t>Teşekkürler</a:t>
-            </a:r>
-            <a:r>
-              <a:rPr lang="tr-TR" sz="7200" dirty="0" smtClean="0"/>
-              <a:t>…</a:t>
+              <a:t>Teşekkürler…</a:t>
             </a:r>
             <a:endParaRPr lang="en-US" sz="7200" dirty="0"/>
           </a:p>
@@ -7264,11 +7276,7 @@
             </a:r>
             <a:r>
               <a:rPr lang="tr-TR" sz="2800" dirty="0" smtClean="0"/>
-              <a:t> </a:t>
-            </a:r>
-            <a:r>
-              <a:rPr lang="tr-TR" sz="2800" dirty="0" smtClean="0"/>
-              <a:t>yaratmak ve gerektiğinde bunları otomatik olarak </a:t>
+              <a:t> yaratmak ve gerektiğinde bunları otomatik olarak </a:t>
             </a:r>
             <a:r>
               <a:rPr lang="tr-TR" sz="2800" dirty="0" err="1" smtClean="0"/>

--- a/Dependency Injection with net Core.pptx
+++ b/Dependency Injection with net Core.pptx
@@ -3908,11 +3908,11 @@
   <p:clrMapOvr>
     <a:masterClrMapping/>
   </p:clrMapOvr>
-  <mc:AlternateContent xmlns:mc="http://schemas.openxmlformats.org/markup-compatibility/2006">
-    <mc:Choice xmlns:p14="http://schemas.microsoft.com/office/powerpoint/2010/main" Requires="p14">
+  <mc:AlternateContent xmlns:mc="http://schemas.openxmlformats.org/markup-compatibility/2006" xmlns:p14="http://schemas.microsoft.com/office/powerpoint/2010/main">
+    <mc:Choice Requires="p14">
       <p:transition spd="slow" p14:dur="2000" advClick="0"/>
     </mc:Choice>
-    <mc:Fallback>
+    <mc:Fallback xmlns="">
       <p:transition spd="slow" advClick="0"/>
     </mc:Fallback>
   </mc:AlternateContent>
@@ -4444,12 +4444,8 @@
           <a:lstStyle/>
           <a:p>
             <a:r>
-              <a:rPr lang="tr-TR" dirty="0" err="1" smtClean="0"/>
-              <a:t>Asp.Net</a:t>
-            </a:r>
-            <a:r>
               <a:rPr lang="tr-TR" dirty="0" smtClean="0"/>
-              <a:t> </a:t>
+              <a:t>.Net </a:t>
             </a:r>
             <a:r>
               <a:rPr lang="tr-TR" dirty="0" err="1" smtClean="0"/>
@@ -4481,8 +4477,20 @@
           <a:lstStyle/>
           <a:p>
             <a:r>
-              <a:rPr lang="en-US" sz="2800" dirty="0"/>
-              <a:t>Asp.net Core </a:t>
+              <a:rPr lang="en-US" sz="2800" dirty="0" smtClean="0"/>
+              <a:t>.</a:t>
+            </a:r>
+            <a:r>
+              <a:rPr lang="tr-TR" sz="2800" dirty="0" smtClean="0"/>
+              <a:t>N</a:t>
+            </a:r>
+            <a:r>
+              <a:rPr lang="en-US" sz="2800" dirty="0" smtClean="0"/>
+              <a:t>et </a:t>
+            </a:r>
+            <a:r>
+              <a:rPr lang="en-US" sz="2800" dirty="0"/>
+              <a:t>Core </a:t>
             </a:r>
             <a:r>
               <a:rPr lang="en-US" sz="2800" dirty="0" err="1"/>
@@ -4560,8 +4568,20 @@
           </a:p>
           <a:p>
             <a:r>
-              <a:rPr lang="en-US" sz="2800" dirty="0"/>
-              <a:t>Asp.net Core </a:t>
+              <a:rPr lang="en-US" sz="2800" dirty="0" smtClean="0"/>
+              <a:t>.</a:t>
+            </a:r>
+            <a:r>
+              <a:rPr lang="tr-TR" sz="2800" dirty="0" smtClean="0"/>
+              <a:t>N</a:t>
+            </a:r>
+            <a:r>
+              <a:rPr lang="en-US" sz="2800" dirty="0" smtClean="0"/>
+              <a:t>et </a:t>
+            </a:r>
+            <a:r>
+              <a:rPr lang="en-US" sz="2800" dirty="0"/>
+              <a:t>Core </a:t>
             </a:r>
             <a:r>
               <a:rPr lang="en-US" sz="2800" dirty="0" err="1"/>
@@ -4624,7 +4644,23 @@
           <a:p>
             <a:r>
               <a:rPr lang="en-US" sz="2800" dirty="0"/>
-              <a:t> ASP.NET Core </a:t>
+              <a:t> </a:t>
+            </a:r>
+            <a:r>
+              <a:rPr lang="en-US" sz="2800" dirty="0" smtClean="0"/>
+              <a:t>.N</a:t>
+            </a:r>
+            <a:r>
+              <a:rPr lang="tr-TR" sz="2800" dirty="0" smtClean="0"/>
+              <a:t>et</a:t>
+            </a:r>
+            <a:r>
+              <a:rPr lang="en-US" sz="2800" dirty="0" smtClean="0"/>
+              <a:t> </a:t>
+            </a:r>
+            <a:r>
+              <a:rPr lang="en-US" sz="2800" dirty="0"/>
+              <a:t>Core </a:t>
             </a:r>
             <a:r>
               <a:rPr lang="en-US" sz="2800" dirty="0" err="1" smtClean="0"/>
@@ -4717,7 +4753,23 @@
           <a:p>
             <a:r>
               <a:rPr lang="en-US" sz="2800" dirty="0"/>
-              <a:t> Asp.net Core </a:t>
+              <a:t> </a:t>
+            </a:r>
+            <a:r>
+              <a:rPr lang="en-US" sz="2800" dirty="0" smtClean="0"/>
+              <a:t>Asp.</a:t>
+            </a:r>
+            <a:r>
+              <a:rPr lang="tr-TR" sz="2800" dirty="0" smtClean="0"/>
+              <a:t>N</a:t>
+            </a:r>
+            <a:r>
+              <a:rPr lang="en-US" sz="2800" dirty="0" smtClean="0"/>
+              <a:t>et </a:t>
+            </a:r>
+            <a:r>
+              <a:rPr lang="en-US" sz="2800" dirty="0"/>
+              <a:t>Core </a:t>
             </a:r>
             <a:r>
               <a:rPr lang="en-US" sz="2800" dirty="0" err="1"/>
